--- a/會議紀錄.pptx
+++ b/會議紀錄.pptx
@@ -10,6 +10,7 @@
     <p:sldId id="258" r:id="rId4"/>
     <p:sldId id="259" r:id="rId5"/>
     <p:sldId id="260" r:id="rId6"/>
+    <p:sldId id="261" r:id="rId7"/>
   </p:sldIdLst>
   <p:sldSz cx="12192000" cy="6858000"/>
   <p:notesSz cx="6858000" cy="9144000"/>
@@ -277,7 +278,7 @@
             <a:fld id="{94D9661D-748A-4E59-A6F9-3B4E1FAC54F3}" type="datetimeFigureOut">
               <a:rPr lang="zh-TW" altLang="en-US" smtClean="0"/>
               <a:pPr/>
-              <a:t>2025/4/27</a:t>
+              <a:t>2025/4/28</a:t>
             </a:fld>
             <a:endParaRPr lang="zh-TW" altLang="en-US"/>
           </a:p>
@@ -490,7 +491,7 @@
           <a:p>
             <a:fld id="{94D9661D-748A-4E59-A6F9-3B4E1FAC54F3}" type="datetimeFigureOut">
               <a:rPr lang="zh-TW" altLang="en-US" smtClean="0"/>
-              <a:t>2025/4/27</a:t>
+              <a:t>2025/4/28</a:t>
             </a:fld>
             <a:endParaRPr lang="zh-TW" altLang="en-US"/>
           </a:p>
@@ -698,7 +699,7 @@
           <a:p>
             <a:fld id="{94D9661D-748A-4E59-A6F9-3B4E1FAC54F3}" type="datetimeFigureOut">
               <a:rPr lang="zh-TW" altLang="en-US" smtClean="0"/>
-              <a:t>2025/4/27</a:t>
+              <a:t>2025/4/28</a:t>
             </a:fld>
             <a:endParaRPr lang="zh-TW" altLang="en-US"/>
           </a:p>
@@ -942,7 +943,7 @@
             <a:fld id="{94D9661D-748A-4E59-A6F9-3B4E1FAC54F3}" type="datetimeFigureOut">
               <a:rPr lang="zh-TW" altLang="en-US" smtClean="0"/>
               <a:pPr/>
-              <a:t>2025/4/27</a:t>
+              <a:t>2025/4/28</a:t>
             </a:fld>
             <a:endParaRPr lang="zh-TW" altLang="en-US"/>
           </a:p>
@@ -1245,7 +1246,7 @@
             <a:fld id="{94D9661D-748A-4E59-A6F9-3B4E1FAC54F3}" type="datetimeFigureOut">
               <a:rPr lang="zh-TW" altLang="en-US" smtClean="0"/>
               <a:pPr/>
-              <a:t>2025/4/27</a:t>
+              <a:t>2025/4/28</a:t>
             </a:fld>
             <a:endParaRPr lang="zh-TW" altLang="en-US"/>
           </a:p>
@@ -1602,7 +1603,7 @@
             <a:fld id="{94D9661D-748A-4E59-A6F9-3B4E1FAC54F3}" type="datetimeFigureOut">
               <a:rPr lang="zh-TW" altLang="en-US" smtClean="0"/>
               <a:pPr/>
-              <a:t>2025/4/27</a:t>
+              <a:t>2025/4/28</a:t>
             </a:fld>
             <a:endParaRPr lang="zh-TW" altLang="en-US"/>
           </a:p>
@@ -2112,7 +2113,7 @@
             <a:fld id="{94D9661D-748A-4E59-A6F9-3B4E1FAC54F3}" type="datetimeFigureOut">
               <a:rPr lang="zh-TW" altLang="en-US" smtClean="0"/>
               <a:pPr/>
-              <a:t>2025/4/27</a:t>
+              <a:t>2025/4/28</a:t>
             </a:fld>
             <a:endParaRPr lang="zh-TW" altLang="en-US"/>
           </a:p>
@@ -2283,7 +2284,7 @@
             <a:fld id="{94D9661D-748A-4E59-A6F9-3B4E1FAC54F3}" type="datetimeFigureOut">
               <a:rPr lang="zh-TW" altLang="en-US" smtClean="0"/>
               <a:pPr/>
-              <a:t>2025/4/27</a:t>
+              <a:t>2025/4/28</a:t>
             </a:fld>
             <a:endParaRPr lang="zh-TW" altLang="en-US"/>
           </a:p>
@@ -2411,7 +2412,7 @@
           <a:p>
             <a:fld id="{94D9661D-748A-4E59-A6F9-3B4E1FAC54F3}" type="datetimeFigureOut">
               <a:rPr lang="zh-TW" altLang="en-US" smtClean="0"/>
-              <a:t>2025/4/27</a:t>
+              <a:t>2025/4/28</a:t>
             </a:fld>
             <a:endParaRPr lang="zh-TW" altLang="en-US"/>
           </a:p>
@@ -2722,7 +2723,7 @@
           <a:p>
             <a:fld id="{94D9661D-748A-4E59-A6F9-3B4E1FAC54F3}" type="datetimeFigureOut">
               <a:rPr lang="zh-TW" altLang="en-US" smtClean="0"/>
-              <a:t>2025/4/27</a:t>
+              <a:t>2025/4/28</a:t>
             </a:fld>
             <a:endParaRPr lang="zh-TW" altLang="en-US"/>
           </a:p>
@@ -3010,7 +3011,7 @@
           <a:p>
             <a:fld id="{94D9661D-748A-4E59-A6F9-3B4E1FAC54F3}" type="datetimeFigureOut">
               <a:rPr lang="zh-TW" altLang="en-US" smtClean="0"/>
-              <a:t>2025/4/27</a:t>
+              <a:t>2025/4/28</a:t>
             </a:fld>
             <a:endParaRPr lang="zh-TW" altLang="en-US"/>
           </a:p>
@@ -3251,7 +3252,7 @@
           <a:p>
             <a:fld id="{94D9661D-748A-4E59-A6F9-3B4E1FAC54F3}" type="datetimeFigureOut">
               <a:rPr lang="zh-TW" altLang="en-US" smtClean="0"/>
-              <a:t>2025/4/27</a:t>
+              <a:t>2025/4/28</a:t>
             </a:fld>
             <a:endParaRPr lang="zh-TW" altLang="en-US"/>
           </a:p>
@@ -5187,7 +5188,37 @@
               <a:rPr lang="en-US" altLang="zh-TW" dirty="0"/>
               <a:t>19:00</a:t>
             </a:r>
-            <a:endParaRPr lang="zh-TW" altLang="en-US" dirty="0"/>
+            <a:r>
+              <a:rPr lang="zh-TW" altLang="en-US" dirty="0"/>
+              <a:t> 第二次會議，追蹤進度，程式串接完成</a:t>
+            </a:r>
+            <a:endParaRPr lang="en-US" altLang="zh-TW" dirty="0"/>
+          </a:p>
+          <a:p>
+            <a:r>
+              <a:rPr lang="en-US" altLang="zh-TW" dirty="0"/>
+              <a:t>25/05/05[</a:t>
+            </a:r>
+            <a:r>
+              <a:rPr lang="zh-TW" altLang="en-US" dirty="0"/>
+              <a:t>一</a:t>
+            </a:r>
+            <a:r>
+              <a:rPr lang="en-US" altLang="zh-TW" dirty="0"/>
+              <a:t>]</a:t>
+            </a:r>
+            <a:r>
+              <a:rPr lang="zh-TW" altLang="en-US" dirty="0"/>
+              <a:t> </a:t>
+            </a:r>
+            <a:r>
+              <a:rPr lang="en-US" altLang="zh-TW" dirty="0"/>
+              <a:t>19:00</a:t>
+            </a:r>
+            <a:r>
+              <a:rPr lang="zh-TW" altLang="en-US" dirty="0"/>
+              <a:t> 第三次會議，</a:t>
+            </a:r>
           </a:p>
         </p:txBody>
       </p:sp>
@@ -5195,6 +5226,124 @@
     <p:extLst>
       <p:ext uri="{BB962C8B-B14F-4D97-AF65-F5344CB8AC3E}">
         <p14:creationId xmlns:p14="http://schemas.microsoft.com/office/powerpoint/2010/main" val="4085159257"/>
+      </p:ext>
+    </p:extLst>
+  </p:cSld>
+  <p:clrMapOvr>
+    <a:masterClrMapping/>
+  </p:clrMapOvr>
+</p:sld>
+</file>
+
+<file path=ppt/slides/slide6.xml><?xml version="1.0" encoding="utf-8"?>
+<p:sld xmlns:a="http://schemas.openxmlformats.org/drawingml/2006/main" xmlns:r="http://schemas.openxmlformats.org/officeDocument/2006/relationships" xmlns:p="http://schemas.openxmlformats.org/presentationml/2006/main">
+  <p:cSld>
+    <p:spTree>
+      <p:nvGrpSpPr>
+        <p:cNvPr id="1" name=""/>
+        <p:cNvGrpSpPr/>
+        <p:nvPr/>
+      </p:nvGrpSpPr>
+      <p:grpSpPr>
+        <a:xfrm>
+          <a:off x="0" y="0"/>
+          <a:ext cx="0" cy="0"/>
+          <a:chOff x="0" y="0"/>
+          <a:chExt cx="0" cy="0"/>
+        </a:xfrm>
+      </p:grpSpPr>
+      <p:sp>
+        <p:nvSpPr>
+          <p:cNvPr id="2" name="標題 1">
+            <a:extLst>
+              <a:ext uri="{FF2B5EF4-FFF2-40B4-BE49-F238E27FC236}">
+                <a16:creationId xmlns:a16="http://schemas.microsoft.com/office/drawing/2014/main" id="{2630CDDB-85DB-C533-4C31-31250B6F7771}"/>
+              </a:ext>
+            </a:extLst>
+          </p:cNvPr>
+          <p:cNvSpPr>
+            <a:spLocks noGrp="1"/>
+          </p:cNvSpPr>
+          <p:nvPr>
+            <p:ph type="title"/>
+          </p:nvPr>
+        </p:nvSpPr>
+        <p:spPr/>
+        <p:txBody>
+          <a:bodyPr/>
+          <a:lstStyle/>
+          <a:p>
+            <a:r>
+              <a:rPr lang="zh-TW" altLang="en-US" dirty="0"/>
+              <a:t>版面</a:t>
+            </a:r>
+          </a:p>
+        </p:txBody>
+      </p:sp>
+      <p:pic>
+        <p:nvPicPr>
+          <p:cNvPr id="5" name="圖片 4">
+            <a:extLst>
+              <a:ext uri="{FF2B5EF4-FFF2-40B4-BE49-F238E27FC236}">
+                <a16:creationId xmlns:a16="http://schemas.microsoft.com/office/drawing/2014/main" id="{33EB0480-96C7-1517-E3A6-E73D6566E75A}"/>
+              </a:ext>
+            </a:extLst>
+          </p:cNvPr>
+          <p:cNvPicPr>
+            <a:picLocks noChangeAspect="1"/>
+          </p:cNvPicPr>
+          <p:nvPr/>
+        </p:nvPicPr>
+        <p:blipFill>
+          <a:blip r:embed="rId2"/>
+          <a:stretch>
+            <a:fillRect/>
+          </a:stretch>
+        </p:blipFill>
+        <p:spPr>
+          <a:xfrm>
+            <a:off x="6638120" y="1139778"/>
+            <a:ext cx="5197290" cy="5532599"/>
+          </a:xfrm>
+          <a:prstGeom prst="rect">
+            <a:avLst/>
+          </a:prstGeom>
+        </p:spPr>
+      </p:pic>
+      <p:pic>
+        <p:nvPicPr>
+          <p:cNvPr id="7" name="圖片 6">
+            <a:extLst>
+              <a:ext uri="{FF2B5EF4-FFF2-40B4-BE49-F238E27FC236}">
+                <a16:creationId xmlns:a16="http://schemas.microsoft.com/office/drawing/2014/main" id="{AB7803AE-2D76-371D-7E30-43832C43D10D}"/>
+              </a:ext>
+            </a:extLst>
+          </p:cNvPr>
+          <p:cNvPicPr>
+            <a:picLocks noChangeAspect="1"/>
+          </p:cNvPicPr>
+          <p:nvPr/>
+        </p:nvPicPr>
+        <p:blipFill>
+          <a:blip r:embed="rId3"/>
+          <a:stretch>
+            <a:fillRect/>
+          </a:stretch>
+        </p:blipFill>
+        <p:spPr>
+          <a:xfrm>
+            <a:off x="113979" y="1412186"/>
+            <a:ext cx="6524141" cy="3349507"/>
+          </a:xfrm>
+          <a:prstGeom prst="rect">
+            <a:avLst/>
+          </a:prstGeom>
+        </p:spPr>
+      </p:pic>
+    </p:spTree>
+    <p:extLst>
+      <p:ext uri="{BB962C8B-B14F-4D97-AF65-F5344CB8AC3E}">
+        <p14:creationId xmlns:p14="http://schemas.microsoft.com/office/powerpoint/2010/main" val="1068501554"/>
       </p:ext>
     </p:extLst>
   </p:cSld>

--- a/會議紀錄.pptx
+++ b/會議紀錄.pptx
@@ -278,7 +278,7 @@
             <a:fld id="{94D9661D-748A-4E59-A6F9-3B4E1FAC54F3}" type="datetimeFigureOut">
               <a:rPr lang="zh-TW" altLang="en-US" smtClean="0"/>
               <a:pPr/>
-              <a:t>2025/4/28</a:t>
+              <a:t>2025/5/5</a:t>
             </a:fld>
             <a:endParaRPr lang="zh-TW" altLang="en-US"/>
           </a:p>
@@ -491,7 +491,7 @@
           <a:p>
             <a:fld id="{94D9661D-748A-4E59-A6F9-3B4E1FAC54F3}" type="datetimeFigureOut">
               <a:rPr lang="zh-TW" altLang="en-US" smtClean="0"/>
-              <a:t>2025/4/28</a:t>
+              <a:t>2025/5/5</a:t>
             </a:fld>
             <a:endParaRPr lang="zh-TW" altLang="en-US"/>
           </a:p>
@@ -699,7 +699,7 @@
           <a:p>
             <a:fld id="{94D9661D-748A-4E59-A6F9-3B4E1FAC54F3}" type="datetimeFigureOut">
               <a:rPr lang="zh-TW" altLang="en-US" smtClean="0"/>
-              <a:t>2025/4/28</a:t>
+              <a:t>2025/5/5</a:t>
             </a:fld>
             <a:endParaRPr lang="zh-TW" altLang="en-US"/>
           </a:p>
@@ -943,7 +943,7 @@
             <a:fld id="{94D9661D-748A-4E59-A6F9-3B4E1FAC54F3}" type="datetimeFigureOut">
               <a:rPr lang="zh-TW" altLang="en-US" smtClean="0"/>
               <a:pPr/>
-              <a:t>2025/4/28</a:t>
+              <a:t>2025/5/5</a:t>
             </a:fld>
             <a:endParaRPr lang="zh-TW" altLang="en-US"/>
           </a:p>
@@ -1246,7 +1246,7 @@
             <a:fld id="{94D9661D-748A-4E59-A6F9-3B4E1FAC54F3}" type="datetimeFigureOut">
               <a:rPr lang="zh-TW" altLang="en-US" smtClean="0"/>
               <a:pPr/>
-              <a:t>2025/4/28</a:t>
+              <a:t>2025/5/5</a:t>
             </a:fld>
             <a:endParaRPr lang="zh-TW" altLang="en-US"/>
           </a:p>
@@ -1603,7 +1603,7 @@
             <a:fld id="{94D9661D-748A-4E59-A6F9-3B4E1FAC54F3}" type="datetimeFigureOut">
               <a:rPr lang="zh-TW" altLang="en-US" smtClean="0"/>
               <a:pPr/>
-              <a:t>2025/4/28</a:t>
+              <a:t>2025/5/5</a:t>
             </a:fld>
             <a:endParaRPr lang="zh-TW" altLang="en-US"/>
           </a:p>
@@ -2113,7 +2113,7 @@
             <a:fld id="{94D9661D-748A-4E59-A6F9-3B4E1FAC54F3}" type="datetimeFigureOut">
               <a:rPr lang="zh-TW" altLang="en-US" smtClean="0"/>
               <a:pPr/>
-              <a:t>2025/4/28</a:t>
+              <a:t>2025/5/5</a:t>
             </a:fld>
             <a:endParaRPr lang="zh-TW" altLang="en-US"/>
           </a:p>
@@ -2284,7 +2284,7 @@
             <a:fld id="{94D9661D-748A-4E59-A6F9-3B4E1FAC54F3}" type="datetimeFigureOut">
               <a:rPr lang="zh-TW" altLang="en-US" smtClean="0"/>
               <a:pPr/>
-              <a:t>2025/4/28</a:t>
+              <a:t>2025/5/5</a:t>
             </a:fld>
             <a:endParaRPr lang="zh-TW" altLang="en-US"/>
           </a:p>
@@ -2412,7 +2412,7 @@
           <a:p>
             <a:fld id="{94D9661D-748A-4E59-A6F9-3B4E1FAC54F3}" type="datetimeFigureOut">
               <a:rPr lang="zh-TW" altLang="en-US" smtClean="0"/>
-              <a:t>2025/4/28</a:t>
+              <a:t>2025/5/5</a:t>
             </a:fld>
             <a:endParaRPr lang="zh-TW" altLang="en-US"/>
           </a:p>
@@ -2723,7 +2723,7 @@
           <a:p>
             <a:fld id="{94D9661D-748A-4E59-A6F9-3B4E1FAC54F3}" type="datetimeFigureOut">
               <a:rPr lang="zh-TW" altLang="en-US" smtClean="0"/>
-              <a:t>2025/4/28</a:t>
+              <a:t>2025/5/5</a:t>
             </a:fld>
             <a:endParaRPr lang="zh-TW" altLang="en-US"/>
           </a:p>
@@ -3011,7 +3011,7 @@
           <a:p>
             <a:fld id="{94D9661D-748A-4E59-A6F9-3B4E1FAC54F3}" type="datetimeFigureOut">
               <a:rPr lang="zh-TW" altLang="en-US" smtClean="0"/>
-              <a:t>2025/4/28</a:t>
+              <a:t>2025/5/5</a:t>
             </a:fld>
             <a:endParaRPr lang="zh-TW" altLang="en-US"/>
           </a:p>
@@ -3252,7 +3252,7 @@
           <a:p>
             <a:fld id="{94D9661D-748A-4E59-A6F9-3B4E1FAC54F3}" type="datetimeFigureOut">
               <a:rPr lang="zh-TW" altLang="en-US" smtClean="0"/>
-              <a:t>2025/4/28</a:t>
+              <a:t>2025/5/5</a:t>
             </a:fld>
             <a:endParaRPr lang="zh-TW" altLang="en-US"/>
           </a:p>
@@ -5217,8 +5217,39 @@
             </a:r>
             <a:r>
               <a:rPr lang="zh-TW" altLang="en-US" dirty="0"/>
-              <a:t> 第三次會議，</a:t>
-            </a:r>
+              <a:t> 第三次會議，程式基本完成，文件開始撰寫</a:t>
+            </a:r>
+            <a:endParaRPr lang="en-US" altLang="zh-TW" dirty="0"/>
+          </a:p>
+          <a:p>
+            <a:r>
+              <a:rPr lang="en-US" altLang="zh-TW" dirty="0"/>
+              <a:t>25/05/12[</a:t>
+            </a:r>
+            <a:r>
+              <a:rPr lang="zh-TW" altLang="en-US" dirty="0"/>
+              <a:t>一</a:t>
+            </a:r>
+            <a:r>
+              <a:rPr lang="en-US" altLang="zh-TW" dirty="0"/>
+              <a:t>]</a:t>
+            </a:r>
+            <a:r>
+              <a:rPr lang="zh-TW" altLang="en-US" dirty="0"/>
+              <a:t> </a:t>
+            </a:r>
+            <a:r>
+              <a:rPr lang="en-US" altLang="zh-TW" dirty="0"/>
+              <a:t>19:00</a:t>
+            </a:r>
+            <a:r>
+              <a:rPr lang="zh-TW" altLang="en-US" dirty="0"/>
+              <a:t> 第四次會議，</a:t>
+            </a:r>
+            <a:endParaRPr lang="en-US" altLang="zh-TW" dirty="0"/>
+          </a:p>
+          <a:p>
+            <a:endParaRPr lang="zh-TW" altLang="en-US" dirty="0"/>
           </a:p>
         </p:txBody>
       </p:sp>
